--- a/plots/figure-prediction-rdi/prediction-rdi.pptx
+++ b/plots/figure-prediction-rdi/prediction-rdi.pptx
@@ -272,7 +272,7 @@
           <a:p>
             <a:fld id="{87BF5B85-8F2D-A94D-80F6-8FFE5308B165}" type="datetimeFigureOut">
               <a:rPr lang="en-US" smtClean="0"/>
-              <a:t>1/10/24</a:t>
+              <a:t>1/11/24</a:t>
             </a:fld>
             <a:endParaRPr lang="en-US"/>
           </a:p>
@@ -472,7 +472,7 @@
           <a:p>
             <a:fld id="{87BF5B85-8F2D-A94D-80F6-8FFE5308B165}" type="datetimeFigureOut">
               <a:rPr lang="en-US" smtClean="0"/>
-              <a:t>1/10/24</a:t>
+              <a:t>1/11/24</a:t>
             </a:fld>
             <a:endParaRPr lang="en-US"/>
           </a:p>
@@ -682,7 +682,7 @@
           <a:p>
             <a:fld id="{87BF5B85-8F2D-A94D-80F6-8FFE5308B165}" type="datetimeFigureOut">
               <a:rPr lang="en-US" smtClean="0"/>
-              <a:t>1/10/24</a:t>
+              <a:t>1/11/24</a:t>
             </a:fld>
             <a:endParaRPr lang="en-US"/>
           </a:p>
@@ -882,7 +882,7 @@
           <a:p>
             <a:fld id="{87BF5B85-8F2D-A94D-80F6-8FFE5308B165}" type="datetimeFigureOut">
               <a:rPr lang="en-US" smtClean="0"/>
-              <a:t>1/10/24</a:t>
+              <a:t>1/11/24</a:t>
             </a:fld>
             <a:endParaRPr lang="en-US"/>
           </a:p>
@@ -1158,7 +1158,7 @@
           <a:p>
             <a:fld id="{87BF5B85-8F2D-A94D-80F6-8FFE5308B165}" type="datetimeFigureOut">
               <a:rPr lang="en-US" smtClean="0"/>
-              <a:t>1/10/24</a:t>
+              <a:t>1/11/24</a:t>
             </a:fld>
             <a:endParaRPr lang="en-US"/>
           </a:p>
@@ -1426,7 +1426,7 @@
           <a:p>
             <a:fld id="{87BF5B85-8F2D-A94D-80F6-8FFE5308B165}" type="datetimeFigureOut">
               <a:rPr lang="en-US" smtClean="0"/>
-              <a:t>1/10/24</a:t>
+              <a:t>1/11/24</a:t>
             </a:fld>
             <a:endParaRPr lang="en-US"/>
           </a:p>
@@ -1841,7 +1841,7 @@
           <a:p>
             <a:fld id="{87BF5B85-8F2D-A94D-80F6-8FFE5308B165}" type="datetimeFigureOut">
               <a:rPr lang="en-US" smtClean="0"/>
-              <a:t>1/10/24</a:t>
+              <a:t>1/11/24</a:t>
             </a:fld>
             <a:endParaRPr lang="en-US"/>
           </a:p>
@@ -1983,7 +1983,7 @@
           <a:p>
             <a:fld id="{87BF5B85-8F2D-A94D-80F6-8FFE5308B165}" type="datetimeFigureOut">
               <a:rPr lang="en-US" smtClean="0"/>
-              <a:t>1/10/24</a:t>
+              <a:t>1/11/24</a:t>
             </a:fld>
             <a:endParaRPr lang="en-US"/>
           </a:p>
@@ -2096,7 +2096,7 @@
           <a:p>
             <a:fld id="{87BF5B85-8F2D-A94D-80F6-8FFE5308B165}" type="datetimeFigureOut">
               <a:rPr lang="en-US" smtClean="0"/>
-              <a:t>1/10/24</a:t>
+              <a:t>1/11/24</a:t>
             </a:fld>
             <a:endParaRPr lang="en-US"/>
           </a:p>
@@ -2409,7 +2409,7 @@
           <a:p>
             <a:fld id="{87BF5B85-8F2D-A94D-80F6-8FFE5308B165}" type="datetimeFigureOut">
               <a:rPr lang="en-US" smtClean="0"/>
-              <a:t>1/10/24</a:t>
+              <a:t>1/11/24</a:t>
             </a:fld>
             <a:endParaRPr lang="en-US"/>
           </a:p>
@@ -2698,7 +2698,7 @@
           <a:p>
             <a:fld id="{87BF5B85-8F2D-A94D-80F6-8FFE5308B165}" type="datetimeFigureOut">
               <a:rPr lang="en-US" smtClean="0"/>
-              <a:t>1/10/24</a:t>
+              <a:t>1/11/24</a:t>
             </a:fld>
             <a:endParaRPr lang="en-US"/>
           </a:p>
@@ -2941,7 +2941,7 @@
           <a:p>
             <a:fld id="{87BF5B85-8F2D-A94D-80F6-8FFE5308B165}" type="datetimeFigureOut">
               <a:rPr lang="en-US" smtClean="0"/>
-              <a:t>1/10/24</a:t>
+              <a:t>1/11/24</a:t>
             </a:fld>
             <a:endParaRPr lang="en-US"/>
           </a:p>
@@ -3360,10 +3360,10 @@
       </p:grpSpPr>
       <p:pic>
         <p:nvPicPr>
-          <p:cNvPr id="11" name="Picture 10">
-            <a:extLst>
-              <a:ext uri="{FF2B5EF4-FFF2-40B4-BE49-F238E27FC236}">
-                <a16:creationId xmlns:a16="http://schemas.microsoft.com/office/drawing/2014/main" id="{5269B322-6DCF-08A7-12BC-EFA6728D6619}"/>
+          <p:cNvPr id="26" name="Picture 25">
+            <a:extLst>
+              <a:ext uri="{FF2B5EF4-FFF2-40B4-BE49-F238E27FC236}">
+                <a16:creationId xmlns:a16="http://schemas.microsoft.com/office/drawing/2014/main" id="{3F464E60-2B91-E543-2D37-C311D57A800B}"/>
               </a:ext>
             </a:extLst>
           </p:cNvPr>
@@ -3380,224 +3380,30 @@
         </p:blipFill>
         <p:spPr>
           <a:xfrm>
-            <a:off x="4920822" y="3803602"/>
-            <a:ext cx="3196535" cy="2760935"/>
+            <a:off x="4895219" y="899995"/>
+            <a:ext cx="3196537" cy="2760937"/>
           </a:xfrm>
           <a:prstGeom prst="rect">
             <a:avLst/>
           </a:prstGeom>
         </p:spPr>
       </p:pic>
-      <p:pic>
-        <p:nvPicPr>
-          <p:cNvPr id="7" name="Picture 6">
-            <a:extLst>
-              <a:ext uri="{FF2B5EF4-FFF2-40B4-BE49-F238E27FC236}">
-                <a16:creationId xmlns:a16="http://schemas.microsoft.com/office/drawing/2014/main" id="{14A56FF1-9994-25B4-42AB-7FE6895B6BAA}"/>
-              </a:ext>
-            </a:extLst>
-          </p:cNvPr>
-          <p:cNvPicPr>
-            <a:picLocks noChangeAspect="1"/>
-          </p:cNvPicPr>
-          <p:nvPr/>
-        </p:nvPicPr>
-        <p:blipFill>
-          <a:blip r:embed="rId3"/>
-          <a:stretch>
-            <a:fillRect/>
-          </a:stretch>
-        </p:blipFill>
-        <p:spPr>
-          <a:xfrm>
-            <a:off x="4920820" y="899996"/>
-            <a:ext cx="3196537" cy="2760937"/>
-          </a:xfrm>
-          <a:prstGeom prst="rect">
-            <a:avLst/>
-          </a:prstGeom>
-        </p:spPr>
-      </p:pic>
-      <p:sp>
-        <p:nvSpPr>
-          <p:cNvPr id="12" name="Rectangle 11">
-            <a:extLst>
-              <a:ext uri="{FF2B5EF4-FFF2-40B4-BE49-F238E27FC236}">
-                <a16:creationId xmlns:a16="http://schemas.microsoft.com/office/drawing/2014/main" id="{19025DA6-D158-2F31-5A6D-9D57283A26B3}"/>
-              </a:ext>
-            </a:extLst>
-          </p:cNvPr>
-          <p:cNvSpPr/>
-          <p:nvPr/>
-        </p:nvSpPr>
-        <p:spPr>
-          <a:xfrm>
-            <a:off x="4593317" y="633974"/>
-            <a:ext cx="615263" cy="5920403"/>
-          </a:xfrm>
-          <a:prstGeom prst="rect">
-            <a:avLst/>
-          </a:prstGeom>
-          <a:solidFill>
-            <a:schemeClr val="bg1"/>
-          </a:solidFill>
-          <a:ln>
-            <a:noFill/>
-          </a:ln>
-        </p:spPr>
-        <p:style>
-          <a:lnRef idx="2">
-            <a:schemeClr val="accent1">
-              <a:shade val="15000"/>
-            </a:schemeClr>
-          </a:lnRef>
-          <a:fillRef idx="1">
-            <a:schemeClr val="accent1"/>
-          </a:fillRef>
-          <a:effectRef idx="0">
-            <a:schemeClr val="accent1"/>
-          </a:effectRef>
-          <a:fontRef idx="minor">
-            <a:schemeClr val="lt1"/>
-          </a:fontRef>
-        </p:style>
-        <p:txBody>
-          <a:bodyPr rtlCol="0" anchor="ctr"/>
-          <a:lstStyle/>
-          <a:p>
-            <a:pPr algn="ctr"/>
-            <a:endParaRPr lang="en-US"/>
-          </a:p>
-        </p:txBody>
-      </p:sp>
-      <p:pic>
-        <p:nvPicPr>
-          <p:cNvPr id="5" name="Picture 4">
-            <a:extLst>
-              <a:ext uri="{FF2B5EF4-FFF2-40B4-BE49-F238E27FC236}">
-                <a16:creationId xmlns:a16="http://schemas.microsoft.com/office/drawing/2014/main" id="{327BC89D-EEDC-FD27-60CA-93283CA15FF4}"/>
-              </a:ext>
-            </a:extLst>
-          </p:cNvPr>
-          <p:cNvPicPr>
-            <a:picLocks noChangeAspect="1"/>
-          </p:cNvPicPr>
-          <p:nvPr/>
-        </p:nvPicPr>
-        <p:blipFill>
-          <a:blip r:embed="rId4"/>
-          <a:stretch>
-            <a:fillRect/>
-          </a:stretch>
-        </p:blipFill>
-        <p:spPr>
-          <a:xfrm>
-            <a:off x="1710139" y="889836"/>
-            <a:ext cx="3196537" cy="2760937"/>
-          </a:xfrm>
-          <a:prstGeom prst="rect">
-            <a:avLst/>
-          </a:prstGeom>
-        </p:spPr>
-      </p:pic>
-      <p:sp>
-        <p:nvSpPr>
-          <p:cNvPr id="13" name="Rectangle 12">
-            <a:extLst>
-              <a:ext uri="{FF2B5EF4-FFF2-40B4-BE49-F238E27FC236}">
-                <a16:creationId xmlns:a16="http://schemas.microsoft.com/office/drawing/2014/main" id="{3171AE59-9014-3557-EC99-3DBED3683637}"/>
-              </a:ext>
-            </a:extLst>
-          </p:cNvPr>
-          <p:cNvSpPr/>
+      <p:sp>
+        <p:nvSpPr>
+          <p:cNvPr id="18" name="TextBox 17">
+            <a:extLst>
+              <a:ext uri="{FF2B5EF4-FFF2-40B4-BE49-F238E27FC236}">
+                <a16:creationId xmlns:a16="http://schemas.microsoft.com/office/drawing/2014/main" id="{D1F98F46-CEBF-926A-BAC1-648C1C85139E}"/>
+              </a:ext>
+            </a:extLst>
+          </p:cNvPr>
+          <p:cNvSpPr txBox="1"/>
           <p:nvPr/>
         </p:nvSpPr>
         <p:spPr>
           <a:xfrm rot="16200000">
-            <a:off x="4741023" y="667587"/>
-            <a:ext cx="331307" cy="5920403"/>
-          </a:xfrm>
-          <a:prstGeom prst="rect">
-            <a:avLst/>
-          </a:prstGeom>
-          <a:solidFill>
-            <a:schemeClr val="bg1"/>
-          </a:solidFill>
-          <a:ln>
-            <a:noFill/>
-          </a:ln>
-        </p:spPr>
-        <p:style>
-          <a:lnRef idx="2">
-            <a:schemeClr val="accent1">
-              <a:shade val="15000"/>
-            </a:schemeClr>
-          </a:lnRef>
-          <a:fillRef idx="1">
-            <a:schemeClr val="accent1"/>
-          </a:fillRef>
-          <a:effectRef idx="0">
-            <a:schemeClr val="accent1"/>
-          </a:effectRef>
-          <a:fontRef idx="minor">
-            <a:schemeClr val="lt1"/>
-          </a:fontRef>
-        </p:style>
-        <p:txBody>
-          <a:bodyPr rtlCol="0" anchor="ctr"/>
-          <a:lstStyle/>
-          <a:p>
-            <a:pPr algn="ctr"/>
-            <a:endParaRPr lang="en-US"/>
-          </a:p>
-        </p:txBody>
-      </p:sp>
-      <p:pic>
-        <p:nvPicPr>
-          <p:cNvPr id="9" name="Picture 8">
-            <a:extLst>
-              <a:ext uri="{FF2B5EF4-FFF2-40B4-BE49-F238E27FC236}">
-                <a16:creationId xmlns:a16="http://schemas.microsoft.com/office/drawing/2014/main" id="{2EA0A352-AA2E-0B38-CE9C-84FA9CC40C48}"/>
-              </a:ext>
-            </a:extLst>
-          </p:cNvPr>
-          <p:cNvPicPr>
-            <a:picLocks noChangeAspect="1"/>
-          </p:cNvPicPr>
-          <p:nvPr/>
-        </p:nvPicPr>
-        <p:blipFill>
-          <a:blip r:embed="rId5"/>
-          <a:stretch>
-            <a:fillRect/>
-          </a:stretch>
-        </p:blipFill>
-        <p:spPr>
-          <a:xfrm>
-            <a:off x="1710141" y="3793442"/>
-            <a:ext cx="3196535" cy="2760935"/>
-          </a:xfrm>
-          <a:prstGeom prst="rect">
-            <a:avLst/>
-          </a:prstGeom>
-        </p:spPr>
-      </p:pic>
-      <p:sp>
-        <p:nvSpPr>
-          <p:cNvPr id="14" name="TextBox 13">
-            <a:extLst>
-              <a:ext uri="{FF2B5EF4-FFF2-40B4-BE49-F238E27FC236}">
-                <a16:creationId xmlns:a16="http://schemas.microsoft.com/office/drawing/2014/main" id="{1E1E3E0D-3307-A415-3ACE-2BDE0363C8EF}"/>
-              </a:ext>
-            </a:extLst>
-          </p:cNvPr>
-          <p:cNvSpPr txBox="1"/>
-          <p:nvPr/>
-        </p:nvSpPr>
-        <p:spPr>
-          <a:xfrm>
-            <a:off x="1910295" y="661692"/>
-            <a:ext cx="1018572" cy="307777"/>
+            <a:off x="-454607" y="3242454"/>
+            <a:ext cx="3806654" cy="523220"/>
           </a:xfrm>
           <a:prstGeom prst="rect">
             <a:avLst/>
@@ -3613,17 +3419,17 @@
             <a:pPr algn="ctr"/>
             <a:r>
               <a:rPr lang="en-US" sz="1400" b="1" dirty="0"/>
-              <a:t>Argentina</a:t>
-            </a:r>
-          </a:p>
-        </p:txBody>
-      </p:sp>
-      <p:sp>
-        <p:nvSpPr>
-          <p:cNvPr id="15" name="TextBox 14">
-            <a:extLst>
-              <a:ext uri="{FF2B5EF4-FFF2-40B4-BE49-F238E27FC236}">
-                <a16:creationId xmlns:a16="http://schemas.microsoft.com/office/drawing/2014/main" id="{78376F8E-2CB5-804E-60A8-DDBBEAC7C4D0}"/>
+              <a:t>Percentage change in number of movements (%) relative to the baseline period</a:t>
+            </a:r>
+          </a:p>
+        </p:txBody>
+      </p:sp>
+      <p:sp>
+        <p:nvSpPr>
+          <p:cNvPr id="19" name="TextBox 18">
+            <a:extLst>
+              <a:ext uri="{FF2B5EF4-FFF2-40B4-BE49-F238E27FC236}">
+                <a16:creationId xmlns:a16="http://schemas.microsoft.com/office/drawing/2014/main" id="{1D8BF768-C8DA-24D8-A812-B1918992AB77}"/>
               </a:ext>
             </a:extLst>
           </p:cNvPr>
@@ -3632,8 +3438,8 @@
         </p:nvSpPr>
         <p:spPr>
           <a:xfrm>
-            <a:off x="4916438" y="661691"/>
-            <a:ext cx="1018572" cy="307777"/>
+            <a:off x="2377065" y="296567"/>
+            <a:ext cx="1625466" cy="261610"/>
           </a:xfrm>
           <a:prstGeom prst="rect">
             <a:avLst/>
@@ -3646,20 +3452,20 @@
           </a:bodyPr>
           <a:lstStyle/>
           <a:p>
-            <a:pPr algn="ctr"/>
-            <a:r>
-              <a:rPr lang="en-US" sz="1400" b="1" dirty="0"/>
-              <a:t>Chile</a:t>
-            </a:r>
-          </a:p>
-        </p:txBody>
-      </p:sp>
-      <p:sp>
-        <p:nvSpPr>
-          <p:cNvPr id="16" name="TextBox 15">
-            <a:extLst>
-              <a:ext uri="{FF2B5EF4-FFF2-40B4-BE49-F238E27FC236}">
-                <a16:creationId xmlns:a16="http://schemas.microsoft.com/office/drawing/2014/main" id="{305F6A4F-605B-C13A-79BD-E805ED18191F}"/>
+            <a:pPr algn="r"/>
+            <a:r>
+              <a:rPr lang="en-US" sz="1100" dirty="0"/>
+              <a:t>Season</a:t>
+            </a:r>
+          </a:p>
+        </p:txBody>
+      </p:sp>
+      <p:sp>
+        <p:nvSpPr>
+          <p:cNvPr id="20" name="TextBox 19">
+            <a:extLst>
+              <a:ext uri="{FF2B5EF4-FFF2-40B4-BE49-F238E27FC236}">
+                <a16:creationId xmlns:a16="http://schemas.microsoft.com/office/drawing/2014/main" id="{7A49DC67-C368-B7EB-4F85-4AF2EBB85561}"/>
               </a:ext>
             </a:extLst>
           </p:cNvPr>
@@ -3668,8 +3474,8 @@
         </p:nvSpPr>
         <p:spPr>
           <a:xfrm>
-            <a:off x="1910295" y="3564620"/>
-            <a:ext cx="1018572" cy="307777"/>
+            <a:off x="1506445" y="529676"/>
+            <a:ext cx="2496086" cy="261610"/>
           </a:xfrm>
           <a:prstGeom prst="rect">
             <a:avLst/>
@@ -3682,154 +3488,10 @@
           </a:bodyPr>
           <a:lstStyle/>
           <a:p>
-            <a:pPr algn="ctr"/>
-            <a:r>
-              <a:rPr lang="en-US" sz="1400" b="1" dirty="0"/>
-              <a:t>Colombia</a:t>
-            </a:r>
-          </a:p>
-        </p:txBody>
-      </p:sp>
-      <p:sp>
-        <p:nvSpPr>
-          <p:cNvPr id="17" name="TextBox 16">
-            <a:extLst>
-              <a:ext uri="{FF2B5EF4-FFF2-40B4-BE49-F238E27FC236}">
-                <a16:creationId xmlns:a16="http://schemas.microsoft.com/office/drawing/2014/main" id="{E0F3FF38-2229-94BE-0758-EF223E07FD0B}"/>
-              </a:ext>
-            </a:extLst>
-          </p:cNvPr>
-          <p:cNvSpPr txBox="1"/>
-          <p:nvPr/>
-        </p:nvSpPr>
-        <p:spPr>
-          <a:xfrm>
-            <a:off x="5026797" y="3585247"/>
-            <a:ext cx="1018572" cy="307777"/>
-          </a:xfrm>
-          <a:prstGeom prst="rect">
-            <a:avLst/>
-          </a:prstGeom>
-          <a:noFill/>
-        </p:spPr>
-        <p:txBody>
-          <a:bodyPr wrap="square" rtlCol="0">
-            <a:spAutoFit/>
-          </a:bodyPr>
-          <a:lstStyle/>
-          <a:p>
-            <a:pPr algn="ctr"/>
-            <a:r>
-              <a:rPr lang="en-US" sz="1400" b="1" dirty="0"/>
-              <a:t>Mexico</a:t>
-            </a:r>
-          </a:p>
-        </p:txBody>
-      </p:sp>
-      <p:sp>
-        <p:nvSpPr>
-          <p:cNvPr id="18" name="TextBox 17">
-            <a:extLst>
-              <a:ext uri="{FF2B5EF4-FFF2-40B4-BE49-F238E27FC236}">
-                <a16:creationId xmlns:a16="http://schemas.microsoft.com/office/drawing/2014/main" id="{D1F98F46-CEBF-926A-BAC1-648C1C85139E}"/>
-              </a:ext>
-            </a:extLst>
-          </p:cNvPr>
-          <p:cNvSpPr txBox="1"/>
-          <p:nvPr/>
-        </p:nvSpPr>
-        <p:spPr>
-          <a:xfrm rot="16200000">
-            <a:off x="-341813" y="3314561"/>
-            <a:ext cx="3580683" cy="523220"/>
-          </a:xfrm>
-          <a:prstGeom prst="rect">
-            <a:avLst/>
-          </a:prstGeom>
-          <a:noFill/>
-        </p:spPr>
-        <p:txBody>
-          <a:bodyPr wrap="square" rtlCol="0">
-            <a:spAutoFit/>
-          </a:bodyPr>
-          <a:lstStyle/>
-          <a:p>
-            <a:pPr algn="ctr"/>
-            <a:r>
-              <a:rPr lang="en-US" sz="1400" b="1" dirty="0"/>
-              <a:t>Percentage change in number of movements (%) relative to the baseline period</a:t>
-            </a:r>
-          </a:p>
-        </p:txBody>
-      </p:sp>
-      <p:sp>
-        <p:nvSpPr>
-          <p:cNvPr id="19" name="TextBox 18">
-            <a:extLst>
-              <a:ext uri="{FF2B5EF4-FFF2-40B4-BE49-F238E27FC236}">
-                <a16:creationId xmlns:a16="http://schemas.microsoft.com/office/drawing/2014/main" id="{1D8BF768-C8DA-24D8-A812-B1918992AB77}"/>
-              </a:ext>
-            </a:extLst>
-          </p:cNvPr>
-          <p:cNvSpPr txBox="1"/>
-          <p:nvPr/>
-        </p:nvSpPr>
-        <p:spPr>
-          <a:xfrm>
-            <a:off x="1773731" y="124610"/>
-            <a:ext cx="1625466" cy="261610"/>
-          </a:xfrm>
-          <a:prstGeom prst="rect">
-            <a:avLst/>
-          </a:prstGeom>
-          <a:noFill/>
-        </p:spPr>
-        <p:txBody>
-          <a:bodyPr wrap="square" rtlCol="0">
-            <a:spAutoFit/>
-          </a:bodyPr>
-          <a:lstStyle/>
-          <a:p>
             <a:pPr algn="r"/>
             <a:r>
               <a:rPr lang="en-US" sz="1100" dirty="0"/>
-              <a:t>Season</a:t>
-            </a:r>
-          </a:p>
-        </p:txBody>
-      </p:sp>
-      <p:sp>
-        <p:nvSpPr>
-          <p:cNvPr id="20" name="TextBox 19">
-            <a:extLst>
-              <a:ext uri="{FF2B5EF4-FFF2-40B4-BE49-F238E27FC236}">
-                <a16:creationId xmlns:a16="http://schemas.microsoft.com/office/drawing/2014/main" id="{7A49DC67-C368-B7EB-4F85-4AF2EBB85561}"/>
-              </a:ext>
-            </a:extLst>
-          </p:cNvPr>
-          <p:cNvSpPr txBox="1"/>
-          <p:nvPr/>
-        </p:nvSpPr>
-        <p:spPr>
-          <a:xfrm>
-            <a:off x="1628353" y="357719"/>
-            <a:ext cx="1770844" cy="261610"/>
-          </a:xfrm>
-          <a:prstGeom prst="rect">
-            <a:avLst/>
-          </a:prstGeom>
-          <a:noFill/>
-        </p:spPr>
-        <p:txBody>
-          <a:bodyPr wrap="square" rtlCol="0">
-            <a:spAutoFit/>
-          </a:bodyPr>
-          <a:lstStyle/>
-          <a:p>
-            <a:pPr algn="r"/>
-            <a:r>
-              <a:rPr lang="en-US" sz="1100" dirty="0"/>
-              <a:t>Relative deprivation index</a:t>
+              <a:t>Relative deprivation index tercile</a:t>
             </a:r>
           </a:p>
         </p:txBody>
@@ -3848,7 +3510,7 @@
         </p:nvGrpSpPr>
         <p:grpSpPr>
           <a:xfrm>
-            <a:off x="3403581" y="441669"/>
+            <a:off x="4006915" y="613626"/>
             <a:ext cx="2308942" cy="121704"/>
             <a:chOff x="2500747" y="663031"/>
             <a:chExt cx="2837334" cy="152434"/>
@@ -4017,562 +3679,6 @@
           </p:txBody>
         </p:sp>
       </p:grpSp>
-      <p:sp>
-        <p:nvSpPr>
-          <p:cNvPr id="39" name="Rectangle 38">
-            <a:extLst>
-              <a:ext uri="{FF2B5EF4-FFF2-40B4-BE49-F238E27FC236}">
-                <a16:creationId xmlns:a16="http://schemas.microsoft.com/office/drawing/2014/main" id="{6EBB5A4A-0492-92E5-C927-052B7DEECC4A}"/>
-              </a:ext>
-            </a:extLst>
-          </p:cNvPr>
-          <p:cNvSpPr/>
-          <p:nvPr/>
-        </p:nvSpPr>
-        <p:spPr>
-          <a:xfrm rot="16200000">
-            <a:off x="4818169" y="3557561"/>
-            <a:ext cx="331307" cy="5920403"/>
-          </a:xfrm>
-          <a:prstGeom prst="rect">
-            <a:avLst/>
-          </a:prstGeom>
-          <a:solidFill>
-            <a:schemeClr val="bg1"/>
-          </a:solidFill>
-          <a:ln>
-            <a:noFill/>
-          </a:ln>
-        </p:spPr>
-        <p:style>
-          <a:lnRef idx="2">
-            <a:schemeClr val="accent1">
-              <a:shade val="15000"/>
-            </a:schemeClr>
-          </a:lnRef>
-          <a:fillRef idx="1">
-            <a:schemeClr val="accent1"/>
-          </a:fillRef>
-          <a:effectRef idx="0">
-            <a:schemeClr val="accent1"/>
-          </a:effectRef>
-          <a:fontRef idx="minor">
-            <a:schemeClr val="lt1"/>
-          </a:fontRef>
-        </p:style>
-        <p:txBody>
-          <a:bodyPr rtlCol="0" anchor="ctr"/>
-          <a:lstStyle/>
-          <a:p>
-            <a:pPr algn="ctr"/>
-            <a:endParaRPr lang="en-US" sz="1000"/>
-          </a:p>
-        </p:txBody>
-      </p:sp>
-      <p:sp>
-        <p:nvSpPr>
-          <p:cNvPr id="34" name="TextBox 33">
-            <a:extLst>
-              <a:ext uri="{FF2B5EF4-FFF2-40B4-BE49-F238E27FC236}">
-                <a16:creationId xmlns:a16="http://schemas.microsoft.com/office/drawing/2014/main" id="{0450FCFC-3A75-BA2F-B2A5-3E3E8ADE8364}"/>
-              </a:ext>
-            </a:extLst>
-          </p:cNvPr>
-          <p:cNvSpPr txBox="1"/>
-          <p:nvPr/>
-        </p:nvSpPr>
-        <p:spPr>
-          <a:xfrm rot="19258306">
-            <a:off x="4805576" y="6429866"/>
-            <a:ext cx="662361" cy="246221"/>
-          </a:xfrm>
-          <a:prstGeom prst="rect">
-            <a:avLst/>
-          </a:prstGeom>
-          <a:noFill/>
-        </p:spPr>
-        <p:txBody>
-          <a:bodyPr wrap="none" rtlCol="0">
-            <a:spAutoFit/>
-          </a:bodyPr>
-          <a:lstStyle/>
-          <a:p>
-            <a:pPr algn="ctr"/>
-            <a:r>
-              <a:rPr lang="en-US" sz="1000" dirty="0"/>
-              <a:t>Apr 2020</a:t>
-            </a:r>
-          </a:p>
-        </p:txBody>
-      </p:sp>
-      <p:sp>
-        <p:nvSpPr>
-          <p:cNvPr id="37" name="TextBox 36">
-            <a:extLst>
-              <a:ext uri="{FF2B5EF4-FFF2-40B4-BE49-F238E27FC236}">
-                <a16:creationId xmlns:a16="http://schemas.microsoft.com/office/drawing/2014/main" id="{B94064DB-1465-8001-CCF5-C124DA53FB5B}"/>
-              </a:ext>
-            </a:extLst>
-          </p:cNvPr>
-          <p:cNvSpPr txBox="1"/>
-          <p:nvPr/>
-        </p:nvSpPr>
-        <p:spPr>
-          <a:xfrm rot="19258306">
-            <a:off x="5240103" y="6436803"/>
-            <a:ext cx="659155" cy="246221"/>
-          </a:xfrm>
-          <a:prstGeom prst="rect">
-            <a:avLst/>
-          </a:prstGeom>
-          <a:noFill/>
-        </p:spPr>
-        <p:txBody>
-          <a:bodyPr wrap="none" rtlCol="0">
-            <a:spAutoFit/>
-          </a:bodyPr>
-          <a:lstStyle/>
-          <a:p>
-            <a:pPr algn="ctr"/>
-            <a:r>
-              <a:rPr lang="en-US" sz="1000" dirty="0"/>
-              <a:t>Oct 2020</a:t>
-            </a:r>
-          </a:p>
-        </p:txBody>
-      </p:sp>
-      <p:sp>
-        <p:nvSpPr>
-          <p:cNvPr id="35" name="TextBox 34">
-            <a:extLst>
-              <a:ext uri="{FF2B5EF4-FFF2-40B4-BE49-F238E27FC236}">
-                <a16:creationId xmlns:a16="http://schemas.microsoft.com/office/drawing/2014/main" id="{3D352EAA-24F6-7031-F95F-8C54E4172F7A}"/>
-              </a:ext>
-            </a:extLst>
-          </p:cNvPr>
-          <p:cNvSpPr txBox="1"/>
-          <p:nvPr/>
-        </p:nvSpPr>
-        <p:spPr>
-          <a:xfrm rot="19258306">
-            <a:off x="5716138" y="6429865"/>
-            <a:ext cx="662361" cy="246221"/>
-          </a:xfrm>
-          <a:prstGeom prst="rect">
-            <a:avLst/>
-          </a:prstGeom>
-          <a:noFill/>
-        </p:spPr>
-        <p:txBody>
-          <a:bodyPr wrap="none" rtlCol="0">
-            <a:spAutoFit/>
-          </a:bodyPr>
-          <a:lstStyle/>
-          <a:p>
-            <a:pPr algn="ctr"/>
-            <a:r>
-              <a:rPr lang="en-US" sz="1000" dirty="0"/>
-              <a:t>Apr 2021</a:t>
-            </a:r>
-          </a:p>
-        </p:txBody>
-      </p:sp>
-      <p:sp>
-        <p:nvSpPr>
-          <p:cNvPr id="38" name="TextBox 37">
-            <a:extLst>
-              <a:ext uri="{FF2B5EF4-FFF2-40B4-BE49-F238E27FC236}">
-                <a16:creationId xmlns:a16="http://schemas.microsoft.com/office/drawing/2014/main" id="{703018C6-E127-79F0-4B32-ABE618FA770B}"/>
-              </a:ext>
-            </a:extLst>
-          </p:cNvPr>
-          <p:cNvSpPr txBox="1"/>
-          <p:nvPr/>
-        </p:nvSpPr>
-        <p:spPr>
-          <a:xfrm rot="19258306">
-            <a:off x="6159936" y="6429865"/>
-            <a:ext cx="659155" cy="246221"/>
-          </a:xfrm>
-          <a:prstGeom prst="rect">
-            <a:avLst/>
-          </a:prstGeom>
-          <a:noFill/>
-        </p:spPr>
-        <p:txBody>
-          <a:bodyPr wrap="none" rtlCol="0">
-            <a:spAutoFit/>
-          </a:bodyPr>
-          <a:lstStyle/>
-          <a:p>
-            <a:pPr algn="ctr"/>
-            <a:r>
-              <a:rPr lang="en-US" sz="1000" dirty="0"/>
-              <a:t>Oct 2021</a:t>
-            </a:r>
-          </a:p>
-        </p:txBody>
-      </p:sp>
-      <p:sp>
-        <p:nvSpPr>
-          <p:cNvPr id="36" name="TextBox 35">
-            <a:extLst>
-              <a:ext uri="{FF2B5EF4-FFF2-40B4-BE49-F238E27FC236}">
-                <a16:creationId xmlns:a16="http://schemas.microsoft.com/office/drawing/2014/main" id="{494C956D-2250-405B-3FCA-5EEC4D73E45F}"/>
-              </a:ext>
-            </a:extLst>
-          </p:cNvPr>
-          <p:cNvSpPr txBox="1"/>
-          <p:nvPr/>
-        </p:nvSpPr>
-        <p:spPr>
-          <a:xfrm rot="19258306">
-            <a:off x="6638461" y="6437812"/>
-            <a:ext cx="662361" cy="246221"/>
-          </a:xfrm>
-          <a:prstGeom prst="rect">
-            <a:avLst/>
-          </a:prstGeom>
-          <a:noFill/>
-        </p:spPr>
-        <p:txBody>
-          <a:bodyPr wrap="none" rtlCol="0">
-            <a:spAutoFit/>
-          </a:bodyPr>
-          <a:lstStyle/>
-          <a:p>
-            <a:pPr algn="ctr"/>
-            <a:r>
-              <a:rPr lang="en-US" sz="1000" dirty="0"/>
-              <a:t>Apr 2022</a:t>
-            </a:r>
-          </a:p>
-        </p:txBody>
-      </p:sp>
-      <p:sp>
-        <p:nvSpPr>
-          <p:cNvPr id="40" name="TextBox 39">
-            <a:extLst>
-              <a:ext uri="{FF2B5EF4-FFF2-40B4-BE49-F238E27FC236}">
-                <a16:creationId xmlns:a16="http://schemas.microsoft.com/office/drawing/2014/main" id="{ED6F8A4D-7A26-E337-79E2-74B2D3363923}"/>
-              </a:ext>
-            </a:extLst>
-          </p:cNvPr>
-          <p:cNvSpPr txBox="1"/>
-          <p:nvPr/>
-        </p:nvSpPr>
-        <p:spPr>
-          <a:xfrm rot="19258306">
-            <a:off x="7081014" y="6435794"/>
-            <a:ext cx="659155" cy="246221"/>
-          </a:xfrm>
-          <a:prstGeom prst="rect">
-            <a:avLst/>
-          </a:prstGeom>
-          <a:noFill/>
-        </p:spPr>
-        <p:txBody>
-          <a:bodyPr wrap="none" rtlCol="0">
-            <a:spAutoFit/>
-          </a:bodyPr>
-          <a:lstStyle/>
-          <a:p>
-            <a:pPr algn="ctr"/>
-            <a:r>
-              <a:rPr lang="en-US" sz="1000" dirty="0"/>
-              <a:t>Oct 2022</a:t>
-            </a:r>
-          </a:p>
-        </p:txBody>
-      </p:sp>
-      <p:sp>
-        <p:nvSpPr>
-          <p:cNvPr id="41" name="TextBox 40">
-            <a:extLst>
-              <a:ext uri="{FF2B5EF4-FFF2-40B4-BE49-F238E27FC236}">
-                <a16:creationId xmlns:a16="http://schemas.microsoft.com/office/drawing/2014/main" id="{2DADC64D-608F-F8DA-6B95-822FC8FBE476}"/>
-              </a:ext>
-            </a:extLst>
-          </p:cNvPr>
-          <p:cNvSpPr txBox="1"/>
-          <p:nvPr/>
-        </p:nvSpPr>
-        <p:spPr>
-          <a:xfrm rot="19258306">
-            <a:off x="7545289" y="6430876"/>
-            <a:ext cx="662361" cy="246221"/>
-          </a:xfrm>
-          <a:prstGeom prst="rect">
-            <a:avLst/>
-          </a:prstGeom>
-          <a:noFill/>
-        </p:spPr>
-        <p:txBody>
-          <a:bodyPr wrap="none" rtlCol="0">
-            <a:spAutoFit/>
-          </a:bodyPr>
-          <a:lstStyle/>
-          <a:p>
-            <a:pPr algn="ctr"/>
-            <a:r>
-              <a:rPr lang="en-US" sz="1000" dirty="0"/>
-              <a:t>Apr 2023</a:t>
-            </a:r>
-          </a:p>
-        </p:txBody>
-      </p:sp>
-      <p:sp>
-        <p:nvSpPr>
-          <p:cNvPr id="42" name="TextBox 41">
-            <a:extLst>
-              <a:ext uri="{FF2B5EF4-FFF2-40B4-BE49-F238E27FC236}">
-                <a16:creationId xmlns:a16="http://schemas.microsoft.com/office/drawing/2014/main" id="{62970162-75CC-7CF4-8805-5C74557E0503}"/>
-              </a:ext>
-            </a:extLst>
-          </p:cNvPr>
-          <p:cNvSpPr txBox="1"/>
-          <p:nvPr/>
-        </p:nvSpPr>
-        <p:spPr>
-          <a:xfrm rot="19258306">
-            <a:off x="1617012" y="6420093"/>
-            <a:ext cx="662361" cy="246221"/>
-          </a:xfrm>
-          <a:prstGeom prst="rect">
-            <a:avLst/>
-          </a:prstGeom>
-          <a:noFill/>
-        </p:spPr>
-        <p:txBody>
-          <a:bodyPr wrap="none" rtlCol="0">
-            <a:spAutoFit/>
-          </a:bodyPr>
-          <a:lstStyle/>
-          <a:p>
-            <a:pPr algn="ctr"/>
-            <a:r>
-              <a:rPr lang="en-US" sz="1000" dirty="0"/>
-              <a:t>Apr 2020</a:t>
-            </a:r>
-          </a:p>
-        </p:txBody>
-      </p:sp>
-      <p:sp>
-        <p:nvSpPr>
-          <p:cNvPr id="43" name="TextBox 42">
-            <a:extLst>
-              <a:ext uri="{FF2B5EF4-FFF2-40B4-BE49-F238E27FC236}">
-                <a16:creationId xmlns:a16="http://schemas.microsoft.com/office/drawing/2014/main" id="{C60C8C6B-7F8C-A9FD-9FD8-1C75F090363A}"/>
-              </a:ext>
-            </a:extLst>
-          </p:cNvPr>
-          <p:cNvSpPr txBox="1"/>
-          <p:nvPr/>
-        </p:nvSpPr>
-        <p:spPr>
-          <a:xfrm rot="19258306">
-            <a:off x="2051539" y="6427030"/>
-            <a:ext cx="659155" cy="246221"/>
-          </a:xfrm>
-          <a:prstGeom prst="rect">
-            <a:avLst/>
-          </a:prstGeom>
-          <a:noFill/>
-        </p:spPr>
-        <p:txBody>
-          <a:bodyPr wrap="none" rtlCol="0">
-            <a:spAutoFit/>
-          </a:bodyPr>
-          <a:lstStyle/>
-          <a:p>
-            <a:pPr algn="ctr"/>
-            <a:r>
-              <a:rPr lang="en-US" sz="1000" dirty="0"/>
-              <a:t>Oct 2020</a:t>
-            </a:r>
-          </a:p>
-        </p:txBody>
-      </p:sp>
-      <p:sp>
-        <p:nvSpPr>
-          <p:cNvPr id="44" name="TextBox 43">
-            <a:extLst>
-              <a:ext uri="{FF2B5EF4-FFF2-40B4-BE49-F238E27FC236}">
-                <a16:creationId xmlns:a16="http://schemas.microsoft.com/office/drawing/2014/main" id="{67DDF954-F951-EB43-2519-E74D224ECEF2}"/>
-              </a:ext>
-            </a:extLst>
-          </p:cNvPr>
-          <p:cNvSpPr txBox="1"/>
-          <p:nvPr/>
-        </p:nvSpPr>
-        <p:spPr>
-          <a:xfrm rot="19258306">
-            <a:off x="2527574" y="6420092"/>
-            <a:ext cx="662361" cy="246221"/>
-          </a:xfrm>
-          <a:prstGeom prst="rect">
-            <a:avLst/>
-          </a:prstGeom>
-          <a:noFill/>
-        </p:spPr>
-        <p:txBody>
-          <a:bodyPr wrap="none" rtlCol="0">
-            <a:spAutoFit/>
-          </a:bodyPr>
-          <a:lstStyle/>
-          <a:p>
-            <a:pPr algn="ctr"/>
-            <a:r>
-              <a:rPr lang="en-US" sz="1000" dirty="0"/>
-              <a:t>Apr 2021</a:t>
-            </a:r>
-          </a:p>
-        </p:txBody>
-      </p:sp>
-      <p:sp>
-        <p:nvSpPr>
-          <p:cNvPr id="45" name="TextBox 44">
-            <a:extLst>
-              <a:ext uri="{FF2B5EF4-FFF2-40B4-BE49-F238E27FC236}">
-                <a16:creationId xmlns:a16="http://schemas.microsoft.com/office/drawing/2014/main" id="{F13C9C97-FF25-E082-9E57-C7562F7DCD34}"/>
-              </a:ext>
-            </a:extLst>
-          </p:cNvPr>
-          <p:cNvSpPr txBox="1"/>
-          <p:nvPr/>
-        </p:nvSpPr>
-        <p:spPr>
-          <a:xfrm rot="19258306">
-            <a:off x="2971372" y="6420092"/>
-            <a:ext cx="659155" cy="246221"/>
-          </a:xfrm>
-          <a:prstGeom prst="rect">
-            <a:avLst/>
-          </a:prstGeom>
-          <a:noFill/>
-        </p:spPr>
-        <p:txBody>
-          <a:bodyPr wrap="none" rtlCol="0">
-            <a:spAutoFit/>
-          </a:bodyPr>
-          <a:lstStyle/>
-          <a:p>
-            <a:pPr algn="ctr"/>
-            <a:r>
-              <a:rPr lang="en-US" sz="1000" dirty="0"/>
-              <a:t>Oct 2021</a:t>
-            </a:r>
-          </a:p>
-        </p:txBody>
-      </p:sp>
-      <p:sp>
-        <p:nvSpPr>
-          <p:cNvPr id="46" name="TextBox 45">
-            <a:extLst>
-              <a:ext uri="{FF2B5EF4-FFF2-40B4-BE49-F238E27FC236}">
-                <a16:creationId xmlns:a16="http://schemas.microsoft.com/office/drawing/2014/main" id="{448E8EBE-61D0-A57E-21FB-D0DF3B3DCE40}"/>
-              </a:ext>
-            </a:extLst>
-          </p:cNvPr>
-          <p:cNvSpPr txBox="1"/>
-          <p:nvPr/>
-        </p:nvSpPr>
-        <p:spPr>
-          <a:xfrm rot="19258306">
-            <a:off x="3449897" y="6428039"/>
-            <a:ext cx="662361" cy="246221"/>
-          </a:xfrm>
-          <a:prstGeom prst="rect">
-            <a:avLst/>
-          </a:prstGeom>
-          <a:noFill/>
-        </p:spPr>
-        <p:txBody>
-          <a:bodyPr wrap="none" rtlCol="0">
-            <a:spAutoFit/>
-          </a:bodyPr>
-          <a:lstStyle/>
-          <a:p>
-            <a:pPr algn="ctr"/>
-            <a:r>
-              <a:rPr lang="en-US" sz="1000" dirty="0"/>
-              <a:t>Apr 2022</a:t>
-            </a:r>
-          </a:p>
-        </p:txBody>
-      </p:sp>
-      <p:sp>
-        <p:nvSpPr>
-          <p:cNvPr id="47" name="TextBox 46">
-            <a:extLst>
-              <a:ext uri="{FF2B5EF4-FFF2-40B4-BE49-F238E27FC236}">
-                <a16:creationId xmlns:a16="http://schemas.microsoft.com/office/drawing/2014/main" id="{9B718468-8BC3-5D15-88CF-E4FFC7919858}"/>
-              </a:ext>
-            </a:extLst>
-          </p:cNvPr>
-          <p:cNvSpPr txBox="1"/>
-          <p:nvPr/>
-        </p:nvSpPr>
-        <p:spPr>
-          <a:xfrm rot="19258306">
-            <a:off x="3892450" y="6426021"/>
-            <a:ext cx="659155" cy="246221"/>
-          </a:xfrm>
-          <a:prstGeom prst="rect">
-            <a:avLst/>
-          </a:prstGeom>
-          <a:noFill/>
-        </p:spPr>
-        <p:txBody>
-          <a:bodyPr wrap="none" rtlCol="0">
-            <a:spAutoFit/>
-          </a:bodyPr>
-          <a:lstStyle/>
-          <a:p>
-            <a:pPr algn="ctr"/>
-            <a:r>
-              <a:rPr lang="en-US" sz="1000" dirty="0"/>
-              <a:t>Oct 2022</a:t>
-            </a:r>
-          </a:p>
-        </p:txBody>
-      </p:sp>
-      <p:sp>
-        <p:nvSpPr>
-          <p:cNvPr id="48" name="TextBox 47">
-            <a:extLst>
-              <a:ext uri="{FF2B5EF4-FFF2-40B4-BE49-F238E27FC236}">
-                <a16:creationId xmlns:a16="http://schemas.microsoft.com/office/drawing/2014/main" id="{96928CDD-32AB-6562-5A53-F61C41FADC47}"/>
-              </a:ext>
-            </a:extLst>
-          </p:cNvPr>
-          <p:cNvSpPr txBox="1"/>
-          <p:nvPr/>
-        </p:nvSpPr>
-        <p:spPr>
-          <a:xfrm rot="19258306">
-            <a:off x="4356725" y="6421103"/>
-            <a:ext cx="662361" cy="246221"/>
-          </a:xfrm>
-          <a:prstGeom prst="rect">
-            <a:avLst/>
-          </a:prstGeom>
-          <a:noFill/>
-        </p:spPr>
-        <p:txBody>
-          <a:bodyPr wrap="none" rtlCol="0">
-            <a:spAutoFit/>
-          </a:bodyPr>
-          <a:lstStyle/>
-          <a:p>
-            <a:pPr algn="ctr"/>
-            <a:r>
-              <a:rPr lang="en-US" sz="1000" dirty="0"/>
-              <a:t>Apr 2023</a:t>
-            </a:r>
-          </a:p>
-        </p:txBody>
-      </p:sp>
       <p:grpSp>
         <p:nvGrpSpPr>
           <p:cNvPr id="54" name="Group 53">
@@ -4587,10 +3693,10 @@
         </p:nvGrpSpPr>
         <p:grpSpPr>
           <a:xfrm>
-            <a:off x="3403580" y="201665"/>
-            <a:ext cx="2308941" cy="118714"/>
-            <a:chOff x="3403580" y="104284"/>
-            <a:chExt cx="2293338" cy="119224"/>
+            <a:off x="4006914" y="373623"/>
+            <a:ext cx="2308941" cy="117954"/>
+            <a:chOff x="3403580" y="104285"/>
+            <a:chExt cx="2293338" cy="118461"/>
           </a:xfrm>
         </p:grpSpPr>
         <p:sp>
@@ -4660,7 +3766,7 @@
           <p:spPr>
             <a:xfrm>
               <a:off x="4550249" y="105046"/>
-              <a:ext cx="573334" cy="118462"/>
+              <a:ext cx="573334" cy="117463"/>
             </a:xfrm>
             <a:prstGeom prst="rect">
               <a:avLst/>
@@ -4711,8 +3817,8 @@
           </p:nvSpPr>
           <p:spPr>
             <a:xfrm>
-              <a:off x="5123584" y="104284"/>
-              <a:ext cx="573334" cy="118462"/>
+              <a:off x="5123584" y="104285"/>
+              <a:ext cx="573334" cy="117463"/>
             </a:xfrm>
             <a:prstGeom prst="rect">
               <a:avLst/>
@@ -4816,7 +3922,7 @@
         </p:nvSpPr>
         <p:spPr>
           <a:xfrm>
-            <a:off x="7017484" y="1204606"/>
+            <a:off x="6986247" y="1190614"/>
             <a:ext cx="818769" cy="193270"/>
           </a:xfrm>
           <a:prstGeom prst="homePlate">
@@ -4824,7 +3930,7 @@
           </a:prstGeom>
           <a:solidFill>
             <a:schemeClr val="bg1">
-              <a:lumMod val="85000"/>
+              <a:lumMod val="95000"/>
             </a:schemeClr>
           </a:solidFill>
           <a:ln w="3175">
@@ -4858,12 +3964,9 @@
           <a:p>
             <a:pPr algn="r"/>
             <a:r>
-              <a:rPr lang="en-US" sz="1000" dirty="0">
+              <a:rPr lang="en-US" sz="1200" dirty="0">
                 <a:solidFill>
-                  <a:schemeClr val="tx1">
-                    <a:lumMod val="85000"/>
-                    <a:lumOff val="15000"/>
-                  </a:schemeClr>
+                  <a:schemeClr val="tx1"/>
                 </a:solidFill>
               </a:rPr>
               <a:t>Estimate</a:t>
@@ -4885,7 +3988,7 @@
         </p:nvSpPr>
         <p:spPr>
           <a:xfrm flipH="1">
-            <a:off x="6335424" y="1204606"/>
+            <a:off x="6304187" y="1190614"/>
             <a:ext cx="730919" cy="193269"/>
           </a:xfrm>
           <a:prstGeom prst="homePlate">
@@ -4893,7 +3996,7 @@
           </a:prstGeom>
           <a:solidFill>
             <a:schemeClr val="bg1">
-              <a:lumMod val="85000"/>
+              <a:lumMod val="95000"/>
             </a:schemeClr>
           </a:solidFill>
           <a:ln w="3175">
@@ -4926,25 +4029,898 @@
           <a:lstStyle/>
           <a:p>
             <a:r>
-              <a:rPr lang="en-US" sz="1000" dirty="0">
+              <a:rPr lang="en-US" sz="1200" dirty="0">
                 <a:solidFill>
-                  <a:schemeClr val="tx1">
-                    <a:lumMod val="85000"/>
-                    <a:lumOff val="15000"/>
-                  </a:schemeClr>
+                  <a:schemeClr val="tx1"/>
                 </a:solidFill>
               </a:rPr>
-              <a:t>Actua</a:t>
-            </a:r>
-            <a:r>
-              <a:rPr lang="en-US" sz="1000" dirty="0">
-                <a:solidFill>
-                  <a:schemeClr val="bg1">
-                    <a:lumMod val="50000"/>
-                  </a:schemeClr>
-                </a:solidFill>
-              </a:rPr>
-              <a:t>l</a:t>
+              <a:t>Actual</a:t>
+            </a:r>
+          </a:p>
+        </p:txBody>
+      </p:sp>
+      <p:sp>
+        <p:nvSpPr>
+          <p:cNvPr id="16" name="TextBox 15">
+            <a:extLst>
+              <a:ext uri="{FF2B5EF4-FFF2-40B4-BE49-F238E27FC236}">
+                <a16:creationId xmlns:a16="http://schemas.microsoft.com/office/drawing/2014/main" id="{305F6A4F-605B-C13A-79BD-E805ED18191F}"/>
+              </a:ext>
+            </a:extLst>
+          </p:cNvPr>
+          <p:cNvSpPr txBox="1"/>
+          <p:nvPr/>
+        </p:nvSpPr>
+        <p:spPr>
+          <a:xfrm>
+            <a:off x="1910295" y="3564620"/>
+            <a:ext cx="1018572" cy="307777"/>
+          </a:xfrm>
+          <a:prstGeom prst="rect">
+            <a:avLst/>
+          </a:prstGeom>
+          <a:noFill/>
+        </p:spPr>
+        <p:txBody>
+          <a:bodyPr wrap="square" rtlCol="0">
+            <a:spAutoFit/>
+          </a:bodyPr>
+          <a:lstStyle/>
+          <a:p>
+            <a:pPr algn="ctr"/>
+            <a:r>
+              <a:rPr lang="en-US" sz="1400" b="1" dirty="0"/>
+              <a:t>Colombia</a:t>
+            </a:r>
+          </a:p>
+        </p:txBody>
+      </p:sp>
+      <p:pic>
+        <p:nvPicPr>
+          <p:cNvPr id="10" name="Picture 9">
+            <a:extLst>
+              <a:ext uri="{FF2B5EF4-FFF2-40B4-BE49-F238E27FC236}">
+                <a16:creationId xmlns:a16="http://schemas.microsoft.com/office/drawing/2014/main" id="{DD450CE4-2E13-B0C0-94A5-FCF3819845CF}"/>
+              </a:ext>
+            </a:extLst>
+          </p:cNvPr>
+          <p:cNvPicPr>
+            <a:picLocks noChangeAspect="1"/>
+          </p:cNvPicPr>
+          <p:nvPr/>
+        </p:nvPicPr>
+        <p:blipFill>
+          <a:blip r:embed="rId3"/>
+          <a:stretch>
+            <a:fillRect/>
+          </a:stretch>
+        </p:blipFill>
+        <p:spPr>
+          <a:xfrm>
+            <a:off x="1708312" y="901987"/>
+            <a:ext cx="3275438" cy="2758946"/>
+          </a:xfrm>
+          <a:prstGeom prst="rect">
+            <a:avLst/>
+          </a:prstGeom>
+        </p:spPr>
+      </p:pic>
+      <p:sp>
+        <p:nvSpPr>
+          <p:cNvPr id="13" name="Rectangle 12">
+            <a:extLst>
+              <a:ext uri="{FF2B5EF4-FFF2-40B4-BE49-F238E27FC236}">
+                <a16:creationId xmlns:a16="http://schemas.microsoft.com/office/drawing/2014/main" id="{3171AE59-9014-3557-EC99-3DBED3683637}"/>
+              </a:ext>
+            </a:extLst>
+          </p:cNvPr>
+          <p:cNvSpPr/>
+          <p:nvPr/>
+        </p:nvSpPr>
+        <p:spPr>
+          <a:xfrm rot="16200000">
+            <a:off x="4741023" y="667587"/>
+            <a:ext cx="331307" cy="5920403"/>
+          </a:xfrm>
+          <a:prstGeom prst="rect">
+            <a:avLst/>
+          </a:prstGeom>
+          <a:solidFill>
+            <a:schemeClr val="bg1"/>
+          </a:solidFill>
+          <a:ln>
+            <a:noFill/>
+          </a:ln>
+        </p:spPr>
+        <p:style>
+          <a:lnRef idx="2">
+            <a:schemeClr val="accent1">
+              <a:shade val="15000"/>
+            </a:schemeClr>
+          </a:lnRef>
+          <a:fillRef idx="1">
+            <a:schemeClr val="accent1"/>
+          </a:fillRef>
+          <a:effectRef idx="0">
+            <a:schemeClr val="accent1"/>
+          </a:effectRef>
+          <a:fontRef idx="minor">
+            <a:schemeClr val="lt1"/>
+          </a:fontRef>
+        </p:style>
+        <p:txBody>
+          <a:bodyPr rtlCol="0" anchor="ctr"/>
+          <a:lstStyle/>
+          <a:p>
+            <a:pPr algn="ctr"/>
+            <a:endParaRPr lang="en-US"/>
+          </a:p>
+        </p:txBody>
+      </p:sp>
+      <p:pic>
+        <p:nvPicPr>
+          <p:cNvPr id="30" name="Picture 29">
+            <a:extLst>
+              <a:ext uri="{FF2B5EF4-FFF2-40B4-BE49-F238E27FC236}">
+                <a16:creationId xmlns:a16="http://schemas.microsoft.com/office/drawing/2014/main" id="{333CCC58-5E96-2C9C-414A-FEC501D888B8}"/>
+              </a:ext>
+            </a:extLst>
+          </p:cNvPr>
+          <p:cNvPicPr>
+            <a:picLocks noChangeAspect="1"/>
+          </p:cNvPicPr>
+          <p:nvPr/>
+        </p:nvPicPr>
+        <p:blipFill>
+          <a:blip r:embed="rId4"/>
+          <a:stretch>
+            <a:fillRect/>
+          </a:stretch>
+        </p:blipFill>
+        <p:spPr>
+          <a:xfrm>
+            <a:off x="4895219" y="3551291"/>
+            <a:ext cx="3175318" cy="2752882"/>
+          </a:xfrm>
+          <a:prstGeom prst="rect">
+            <a:avLst/>
+          </a:prstGeom>
+        </p:spPr>
+      </p:pic>
+      <p:sp>
+        <p:nvSpPr>
+          <p:cNvPr id="12" name="Rectangle 11">
+            <a:extLst>
+              <a:ext uri="{FF2B5EF4-FFF2-40B4-BE49-F238E27FC236}">
+                <a16:creationId xmlns:a16="http://schemas.microsoft.com/office/drawing/2014/main" id="{19025DA6-D158-2F31-5A6D-9D57283A26B3}"/>
+              </a:ext>
+            </a:extLst>
+          </p:cNvPr>
+          <p:cNvSpPr/>
+          <p:nvPr/>
+        </p:nvSpPr>
+        <p:spPr>
+          <a:xfrm>
+            <a:off x="4923290" y="824196"/>
+            <a:ext cx="279381" cy="5249965"/>
+          </a:xfrm>
+          <a:prstGeom prst="rect">
+            <a:avLst/>
+          </a:prstGeom>
+          <a:solidFill>
+            <a:schemeClr val="bg1"/>
+          </a:solidFill>
+          <a:ln>
+            <a:noFill/>
+          </a:ln>
+        </p:spPr>
+        <p:style>
+          <a:lnRef idx="2">
+            <a:schemeClr val="accent1">
+              <a:shade val="15000"/>
+            </a:schemeClr>
+          </a:lnRef>
+          <a:fillRef idx="1">
+            <a:schemeClr val="accent1"/>
+          </a:fillRef>
+          <a:effectRef idx="0">
+            <a:schemeClr val="accent1"/>
+          </a:effectRef>
+          <a:fontRef idx="minor">
+            <a:schemeClr val="lt1"/>
+          </a:fontRef>
+        </p:style>
+        <p:txBody>
+          <a:bodyPr rtlCol="0" anchor="ctr"/>
+          <a:lstStyle/>
+          <a:p>
+            <a:pPr algn="ctr"/>
+            <a:endParaRPr lang="en-US"/>
+          </a:p>
+        </p:txBody>
+      </p:sp>
+      <p:pic>
+        <p:nvPicPr>
+          <p:cNvPr id="28" name="Picture 27">
+            <a:extLst>
+              <a:ext uri="{FF2B5EF4-FFF2-40B4-BE49-F238E27FC236}">
+                <a16:creationId xmlns:a16="http://schemas.microsoft.com/office/drawing/2014/main" id="{BE3AD9A3-CCF8-3770-AAC4-B28DC0B2891F}"/>
+              </a:ext>
+            </a:extLst>
+          </p:cNvPr>
+          <p:cNvPicPr>
+            <a:picLocks noChangeAspect="1"/>
+          </p:cNvPicPr>
+          <p:nvPr/>
+        </p:nvPicPr>
+        <p:blipFill>
+          <a:blip r:embed="rId5"/>
+          <a:stretch>
+            <a:fillRect/>
+          </a:stretch>
+        </p:blipFill>
+        <p:spPr>
+          <a:xfrm>
+            <a:off x="1684411" y="3552300"/>
+            <a:ext cx="3287286" cy="2758946"/>
+          </a:xfrm>
+          <a:prstGeom prst="rect">
+            <a:avLst/>
+          </a:prstGeom>
+        </p:spPr>
+      </p:pic>
+      <p:sp>
+        <p:nvSpPr>
+          <p:cNvPr id="39" name="Rectangle 38">
+            <a:extLst>
+              <a:ext uri="{FF2B5EF4-FFF2-40B4-BE49-F238E27FC236}">
+                <a16:creationId xmlns:a16="http://schemas.microsoft.com/office/drawing/2014/main" id="{6EBB5A4A-0492-92E5-C927-052B7DEECC4A}"/>
+              </a:ext>
+            </a:extLst>
+          </p:cNvPr>
+          <p:cNvSpPr/>
+          <p:nvPr/>
+        </p:nvSpPr>
+        <p:spPr>
+          <a:xfrm rot="16200000">
+            <a:off x="4806043" y="3279614"/>
+            <a:ext cx="331307" cy="5920403"/>
+          </a:xfrm>
+          <a:prstGeom prst="rect">
+            <a:avLst/>
+          </a:prstGeom>
+          <a:solidFill>
+            <a:schemeClr val="bg1"/>
+          </a:solidFill>
+          <a:ln>
+            <a:noFill/>
+          </a:ln>
+        </p:spPr>
+        <p:style>
+          <a:lnRef idx="2">
+            <a:schemeClr val="accent1">
+              <a:shade val="15000"/>
+            </a:schemeClr>
+          </a:lnRef>
+          <a:fillRef idx="1">
+            <a:schemeClr val="accent1"/>
+          </a:fillRef>
+          <a:effectRef idx="0">
+            <a:schemeClr val="accent1"/>
+          </a:effectRef>
+          <a:fontRef idx="minor">
+            <a:schemeClr val="lt1"/>
+          </a:fontRef>
+        </p:style>
+        <p:txBody>
+          <a:bodyPr rtlCol="0" anchor="ctr"/>
+          <a:lstStyle/>
+          <a:p>
+            <a:pPr algn="ctr"/>
+            <a:endParaRPr lang="en-US" sz="1000"/>
+          </a:p>
+        </p:txBody>
+      </p:sp>
+      <p:sp>
+        <p:nvSpPr>
+          <p:cNvPr id="34" name="TextBox 33">
+            <a:extLst>
+              <a:ext uri="{FF2B5EF4-FFF2-40B4-BE49-F238E27FC236}">
+                <a16:creationId xmlns:a16="http://schemas.microsoft.com/office/drawing/2014/main" id="{0450FCFC-3A75-BA2F-B2A5-3E3E8ADE8364}"/>
+              </a:ext>
+            </a:extLst>
+          </p:cNvPr>
+          <p:cNvSpPr txBox="1"/>
+          <p:nvPr/>
+        </p:nvSpPr>
+        <p:spPr>
+          <a:xfrm rot="19258306">
+            <a:off x="4810075" y="6148391"/>
+            <a:ext cx="662361" cy="246221"/>
+          </a:xfrm>
+          <a:prstGeom prst="rect">
+            <a:avLst/>
+          </a:prstGeom>
+          <a:noFill/>
+        </p:spPr>
+        <p:txBody>
+          <a:bodyPr wrap="none" rtlCol="0">
+            <a:spAutoFit/>
+          </a:bodyPr>
+          <a:lstStyle/>
+          <a:p>
+            <a:pPr algn="ctr"/>
+            <a:r>
+              <a:rPr lang="en-US" sz="1000" dirty="0"/>
+              <a:t>Apr 2020</a:t>
+            </a:r>
+          </a:p>
+        </p:txBody>
+      </p:sp>
+      <p:sp>
+        <p:nvSpPr>
+          <p:cNvPr id="37" name="TextBox 36">
+            <a:extLst>
+              <a:ext uri="{FF2B5EF4-FFF2-40B4-BE49-F238E27FC236}">
+                <a16:creationId xmlns:a16="http://schemas.microsoft.com/office/drawing/2014/main" id="{B94064DB-1465-8001-CCF5-C124DA53FB5B}"/>
+              </a:ext>
+            </a:extLst>
+          </p:cNvPr>
+          <p:cNvSpPr txBox="1"/>
+          <p:nvPr/>
+        </p:nvSpPr>
+        <p:spPr>
+          <a:xfrm rot="19258306">
+            <a:off x="5244602" y="6155328"/>
+            <a:ext cx="659155" cy="246221"/>
+          </a:xfrm>
+          <a:prstGeom prst="rect">
+            <a:avLst/>
+          </a:prstGeom>
+          <a:noFill/>
+        </p:spPr>
+        <p:txBody>
+          <a:bodyPr wrap="none" rtlCol="0">
+            <a:spAutoFit/>
+          </a:bodyPr>
+          <a:lstStyle/>
+          <a:p>
+            <a:pPr algn="ctr"/>
+            <a:r>
+              <a:rPr lang="en-US" sz="1000" dirty="0"/>
+              <a:t>Oct 2020</a:t>
+            </a:r>
+          </a:p>
+        </p:txBody>
+      </p:sp>
+      <p:sp>
+        <p:nvSpPr>
+          <p:cNvPr id="35" name="TextBox 34">
+            <a:extLst>
+              <a:ext uri="{FF2B5EF4-FFF2-40B4-BE49-F238E27FC236}">
+                <a16:creationId xmlns:a16="http://schemas.microsoft.com/office/drawing/2014/main" id="{3D352EAA-24F6-7031-F95F-8C54E4172F7A}"/>
+              </a:ext>
+            </a:extLst>
+          </p:cNvPr>
+          <p:cNvSpPr txBox="1"/>
+          <p:nvPr/>
+        </p:nvSpPr>
+        <p:spPr>
+          <a:xfrm rot="19258306">
+            <a:off x="5720637" y="6148390"/>
+            <a:ext cx="662361" cy="246221"/>
+          </a:xfrm>
+          <a:prstGeom prst="rect">
+            <a:avLst/>
+          </a:prstGeom>
+          <a:noFill/>
+        </p:spPr>
+        <p:txBody>
+          <a:bodyPr wrap="none" rtlCol="0">
+            <a:spAutoFit/>
+          </a:bodyPr>
+          <a:lstStyle/>
+          <a:p>
+            <a:pPr algn="ctr"/>
+            <a:r>
+              <a:rPr lang="en-US" sz="1000" dirty="0"/>
+              <a:t>Apr 2021</a:t>
+            </a:r>
+          </a:p>
+        </p:txBody>
+      </p:sp>
+      <p:sp>
+        <p:nvSpPr>
+          <p:cNvPr id="38" name="TextBox 37">
+            <a:extLst>
+              <a:ext uri="{FF2B5EF4-FFF2-40B4-BE49-F238E27FC236}">
+                <a16:creationId xmlns:a16="http://schemas.microsoft.com/office/drawing/2014/main" id="{703018C6-E127-79F0-4B32-ABE618FA770B}"/>
+              </a:ext>
+            </a:extLst>
+          </p:cNvPr>
+          <p:cNvSpPr txBox="1"/>
+          <p:nvPr/>
+        </p:nvSpPr>
+        <p:spPr>
+          <a:xfrm rot="19258306">
+            <a:off x="6164435" y="6148390"/>
+            <a:ext cx="659155" cy="246221"/>
+          </a:xfrm>
+          <a:prstGeom prst="rect">
+            <a:avLst/>
+          </a:prstGeom>
+          <a:noFill/>
+        </p:spPr>
+        <p:txBody>
+          <a:bodyPr wrap="none" rtlCol="0">
+            <a:spAutoFit/>
+          </a:bodyPr>
+          <a:lstStyle/>
+          <a:p>
+            <a:pPr algn="ctr"/>
+            <a:r>
+              <a:rPr lang="en-US" sz="1000" dirty="0"/>
+              <a:t>Oct 2021</a:t>
+            </a:r>
+          </a:p>
+        </p:txBody>
+      </p:sp>
+      <p:sp>
+        <p:nvSpPr>
+          <p:cNvPr id="36" name="TextBox 35">
+            <a:extLst>
+              <a:ext uri="{FF2B5EF4-FFF2-40B4-BE49-F238E27FC236}">
+                <a16:creationId xmlns:a16="http://schemas.microsoft.com/office/drawing/2014/main" id="{494C956D-2250-405B-3FCA-5EEC4D73E45F}"/>
+              </a:ext>
+            </a:extLst>
+          </p:cNvPr>
+          <p:cNvSpPr txBox="1"/>
+          <p:nvPr/>
+        </p:nvSpPr>
+        <p:spPr>
+          <a:xfrm rot="19258306">
+            <a:off x="6642960" y="6156337"/>
+            <a:ext cx="662361" cy="246221"/>
+          </a:xfrm>
+          <a:prstGeom prst="rect">
+            <a:avLst/>
+          </a:prstGeom>
+          <a:noFill/>
+        </p:spPr>
+        <p:txBody>
+          <a:bodyPr wrap="none" rtlCol="0">
+            <a:spAutoFit/>
+          </a:bodyPr>
+          <a:lstStyle/>
+          <a:p>
+            <a:pPr algn="ctr"/>
+            <a:r>
+              <a:rPr lang="en-US" sz="1000" dirty="0"/>
+              <a:t>Apr 2022</a:t>
+            </a:r>
+          </a:p>
+        </p:txBody>
+      </p:sp>
+      <p:sp>
+        <p:nvSpPr>
+          <p:cNvPr id="40" name="TextBox 39">
+            <a:extLst>
+              <a:ext uri="{FF2B5EF4-FFF2-40B4-BE49-F238E27FC236}">
+                <a16:creationId xmlns:a16="http://schemas.microsoft.com/office/drawing/2014/main" id="{ED6F8A4D-7A26-E337-79E2-74B2D3363923}"/>
+              </a:ext>
+            </a:extLst>
+          </p:cNvPr>
+          <p:cNvSpPr txBox="1"/>
+          <p:nvPr/>
+        </p:nvSpPr>
+        <p:spPr>
+          <a:xfrm rot="19258306">
+            <a:off x="7085513" y="6154319"/>
+            <a:ext cx="659155" cy="246221"/>
+          </a:xfrm>
+          <a:prstGeom prst="rect">
+            <a:avLst/>
+          </a:prstGeom>
+          <a:noFill/>
+        </p:spPr>
+        <p:txBody>
+          <a:bodyPr wrap="none" rtlCol="0">
+            <a:spAutoFit/>
+          </a:bodyPr>
+          <a:lstStyle/>
+          <a:p>
+            <a:pPr algn="ctr"/>
+            <a:r>
+              <a:rPr lang="en-US" sz="1000" dirty="0"/>
+              <a:t>Oct 2022</a:t>
+            </a:r>
+          </a:p>
+        </p:txBody>
+      </p:sp>
+      <p:sp>
+        <p:nvSpPr>
+          <p:cNvPr id="42" name="TextBox 41">
+            <a:extLst>
+              <a:ext uri="{FF2B5EF4-FFF2-40B4-BE49-F238E27FC236}">
+                <a16:creationId xmlns:a16="http://schemas.microsoft.com/office/drawing/2014/main" id="{62970162-75CC-7CF4-8805-5C74557E0503}"/>
+              </a:ext>
+            </a:extLst>
+          </p:cNvPr>
+          <p:cNvSpPr txBox="1"/>
+          <p:nvPr/>
+        </p:nvSpPr>
+        <p:spPr>
+          <a:xfrm rot="19258306">
+            <a:off x="1562150" y="6147877"/>
+            <a:ext cx="662361" cy="246221"/>
+          </a:xfrm>
+          <a:prstGeom prst="rect">
+            <a:avLst/>
+          </a:prstGeom>
+          <a:noFill/>
+        </p:spPr>
+        <p:txBody>
+          <a:bodyPr wrap="none" rtlCol="0">
+            <a:spAutoFit/>
+          </a:bodyPr>
+          <a:lstStyle/>
+          <a:p>
+            <a:pPr algn="ctr"/>
+            <a:r>
+              <a:rPr lang="en-US" sz="1000" dirty="0"/>
+              <a:t>Apr 2020</a:t>
+            </a:r>
+          </a:p>
+        </p:txBody>
+      </p:sp>
+      <p:sp>
+        <p:nvSpPr>
+          <p:cNvPr id="43" name="TextBox 42">
+            <a:extLst>
+              <a:ext uri="{FF2B5EF4-FFF2-40B4-BE49-F238E27FC236}">
+                <a16:creationId xmlns:a16="http://schemas.microsoft.com/office/drawing/2014/main" id="{C60C8C6B-7F8C-A9FD-9FD8-1C75F090363A}"/>
+              </a:ext>
+            </a:extLst>
+          </p:cNvPr>
+          <p:cNvSpPr txBox="1"/>
+          <p:nvPr/>
+        </p:nvSpPr>
+        <p:spPr>
+          <a:xfrm rot="19258306">
+            <a:off x="2056038" y="6145555"/>
+            <a:ext cx="659155" cy="246221"/>
+          </a:xfrm>
+          <a:prstGeom prst="rect">
+            <a:avLst/>
+          </a:prstGeom>
+          <a:noFill/>
+        </p:spPr>
+        <p:txBody>
+          <a:bodyPr wrap="none" rtlCol="0">
+            <a:spAutoFit/>
+          </a:bodyPr>
+          <a:lstStyle/>
+          <a:p>
+            <a:pPr algn="ctr"/>
+            <a:r>
+              <a:rPr lang="en-US" sz="1000" dirty="0"/>
+              <a:t>Oct 2020</a:t>
+            </a:r>
+          </a:p>
+        </p:txBody>
+      </p:sp>
+      <p:sp>
+        <p:nvSpPr>
+          <p:cNvPr id="44" name="TextBox 43">
+            <a:extLst>
+              <a:ext uri="{FF2B5EF4-FFF2-40B4-BE49-F238E27FC236}">
+                <a16:creationId xmlns:a16="http://schemas.microsoft.com/office/drawing/2014/main" id="{67DDF954-F951-EB43-2519-E74D224ECEF2}"/>
+              </a:ext>
+            </a:extLst>
+          </p:cNvPr>
+          <p:cNvSpPr txBox="1"/>
+          <p:nvPr/>
+        </p:nvSpPr>
+        <p:spPr>
+          <a:xfrm rot="19258306">
+            <a:off x="2551081" y="6147371"/>
+            <a:ext cx="662361" cy="246221"/>
+          </a:xfrm>
+          <a:prstGeom prst="rect">
+            <a:avLst/>
+          </a:prstGeom>
+          <a:noFill/>
+        </p:spPr>
+        <p:txBody>
+          <a:bodyPr wrap="none" rtlCol="0">
+            <a:spAutoFit/>
+          </a:bodyPr>
+          <a:lstStyle/>
+          <a:p>
+            <a:pPr algn="ctr"/>
+            <a:r>
+              <a:rPr lang="en-US" sz="1000" dirty="0"/>
+              <a:t>Apr 2021</a:t>
+            </a:r>
+          </a:p>
+        </p:txBody>
+      </p:sp>
+      <p:sp>
+        <p:nvSpPr>
+          <p:cNvPr id="45" name="TextBox 44">
+            <a:extLst>
+              <a:ext uri="{FF2B5EF4-FFF2-40B4-BE49-F238E27FC236}">
+                <a16:creationId xmlns:a16="http://schemas.microsoft.com/office/drawing/2014/main" id="{F13C9C97-FF25-E082-9E57-C7562F7DCD34}"/>
+              </a:ext>
+            </a:extLst>
+          </p:cNvPr>
+          <p:cNvSpPr txBox="1"/>
+          <p:nvPr/>
+        </p:nvSpPr>
+        <p:spPr>
+          <a:xfrm rot="19258306">
+            <a:off x="3020791" y="6147575"/>
+            <a:ext cx="659155" cy="246221"/>
+          </a:xfrm>
+          <a:prstGeom prst="rect">
+            <a:avLst/>
+          </a:prstGeom>
+          <a:noFill/>
+        </p:spPr>
+        <p:txBody>
+          <a:bodyPr wrap="none" rtlCol="0">
+            <a:spAutoFit/>
+          </a:bodyPr>
+          <a:lstStyle/>
+          <a:p>
+            <a:pPr algn="ctr"/>
+            <a:r>
+              <a:rPr lang="en-US" sz="1000" dirty="0"/>
+              <a:t>Oct 2021</a:t>
+            </a:r>
+          </a:p>
+        </p:txBody>
+      </p:sp>
+      <p:sp>
+        <p:nvSpPr>
+          <p:cNvPr id="46" name="TextBox 45">
+            <a:extLst>
+              <a:ext uri="{FF2B5EF4-FFF2-40B4-BE49-F238E27FC236}">
+                <a16:creationId xmlns:a16="http://schemas.microsoft.com/office/drawing/2014/main" id="{448E8EBE-61D0-A57E-21FB-D0DF3B3DCE40}"/>
+              </a:ext>
+            </a:extLst>
+          </p:cNvPr>
+          <p:cNvSpPr txBox="1"/>
+          <p:nvPr/>
+        </p:nvSpPr>
+        <p:spPr>
+          <a:xfrm rot="19258306">
+            <a:off x="3454396" y="6146564"/>
+            <a:ext cx="662361" cy="246221"/>
+          </a:xfrm>
+          <a:prstGeom prst="rect">
+            <a:avLst/>
+          </a:prstGeom>
+          <a:noFill/>
+        </p:spPr>
+        <p:txBody>
+          <a:bodyPr wrap="none" rtlCol="0">
+            <a:spAutoFit/>
+          </a:bodyPr>
+          <a:lstStyle/>
+          <a:p>
+            <a:pPr algn="ctr"/>
+            <a:r>
+              <a:rPr lang="en-US" sz="1000" dirty="0"/>
+              <a:t>Apr 2022</a:t>
+            </a:r>
+          </a:p>
+        </p:txBody>
+      </p:sp>
+      <p:sp>
+        <p:nvSpPr>
+          <p:cNvPr id="47" name="TextBox 46">
+            <a:extLst>
+              <a:ext uri="{FF2B5EF4-FFF2-40B4-BE49-F238E27FC236}">
+                <a16:creationId xmlns:a16="http://schemas.microsoft.com/office/drawing/2014/main" id="{9B718468-8BC3-5D15-88CF-E4FFC7919858}"/>
+              </a:ext>
+            </a:extLst>
+          </p:cNvPr>
+          <p:cNvSpPr txBox="1"/>
+          <p:nvPr/>
+        </p:nvSpPr>
+        <p:spPr>
+          <a:xfrm rot="19258306">
+            <a:off x="3960882" y="6155041"/>
+            <a:ext cx="659155" cy="246221"/>
+          </a:xfrm>
+          <a:prstGeom prst="rect">
+            <a:avLst/>
+          </a:prstGeom>
+          <a:noFill/>
+        </p:spPr>
+        <p:txBody>
+          <a:bodyPr wrap="none" rtlCol="0">
+            <a:spAutoFit/>
+          </a:bodyPr>
+          <a:lstStyle/>
+          <a:p>
+            <a:pPr algn="ctr"/>
+            <a:r>
+              <a:rPr lang="en-US" sz="1000" dirty="0"/>
+              <a:t>Oct 2022</a:t>
+            </a:r>
+          </a:p>
+        </p:txBody>
+      </p:sp>
+      <p:sp>
+        <p:nvSpPr>
+          <p:cNvPr id="31" name="TextBox 30">
+            <a:extLst>
+              <a:ext uri="{FF2B5EF4-FFF2-40B4-BE49-F238E27FC236}">
+                <a16:creationId xmlns:a16="http://schemas.microsoft.com/office/drawing/2014/main" id="{F992FCD8-6712-1B03-F5B3-A059C577EDC0}"/>
+              </a:ext>
+            </a:extLst>
+          </p:cNvPr>
+          <p:cNvSpPr txBox="1"/>
+          <p:nvPr/>
+        </p:nvSpPr>
+        <p:spPr>
+          <a:xfrm>
+            <a:off x="2052063" y="863139"/>
+            <a:ext cx="876803" cy="261610"/>
+          </a:xfrm>
+          <a:prstGeom prst="rect">
+            <a:avLst/>
+          </a:prstGeom>
+          <a:solidFill>
+            <a:schemeClr val="bg1"/>
+          </a:solidFill>
+          <a:ln>
+            <a:solidFill>
+              <a:schemeClr val="tx1"/>
+            </a:solidFill>
+          </a:ln>
+        </p:spPr>
+        <p:txBody>
+          <a:bodyPr wrap="square" rtlCol="0">
+            <a:spAutoFit/>
+          </a:bodyPr>
+          <a:lstStyle/>
+          <a:p>
+            <a:pPr algn="ctr"/>
+            <a:r>
+              <a:rPr lang="en-US" sz="1100" b="1" dirty="0"/>
+              <a:t>Argentina</a:t>
+            </a:r>
+          </a:p>
+        </p:txBody>
+      </p:sp>
+      <p:sp>
+        <p:nvSpPr>
+          <p:cNvPr id="32" name="TextBox 31">
+            <a:extLst>
+              <a:ext uri="{FF2B5EF4-FFF2-40B4-BE49-F238E27FC236}">
+                <a16:creationId xmlns:a16="http://schemas.microsoft.com/office/drawing/2014/main" id="{FD77893F-89C9-B53B-F1D1-DF5A6C5B7314}"/>
+              </a:ext>
+            </a:extLst>
+          </p:cNvPr>
+          <p:cNvSpPr txBox="1"/>
+          <p:nvPr/>
+        </p:nvSpPr>
+        <p:spPr>
+          <a:xfrm>
+            <a:off x="5215645" y="863139"/>
+            <a:ext cx="876803" cy="261610"/>
+          </a:xfrm>
+          <a:prstGeom prst="rect">
+            <a:avLst/>
+          </a:prstGeom>
+          <a:solidFill>
+            <a:schemeClr val="bg1"/>
+          </a:solidFill>
+          <a:ln>
+            <a:solidFill>
+              <a:schemeClr val="tx1"/>
+            </a:solidFill>
+          </a:ln>
+        </p:spPr>
+        <p:txBody>
+          <a:bodyPr wrap="square" rtlCol="0">
+            <a:spAutoFit/>
+          </a:bodyPr>
+          <a:lstStyle/>
+          <a:p>
+            <a:pPr algn="ctr"/>
+            <a:r>
+              <a:rPr lang="en-US" sz="1100" b="1" dirty="0"/>
+              <a:t>Chile</a:t>
+            </a:r>
+          </a:p>
+        </p:txBody>
+      </p:sp>
+      <p:sp>
+        <p:nvSpPr>
+          <p:cNvPr id="33" name="TextBox 32">
+            <a:extLst>
+              <a:ext uri="{FF2B5EF4-FFF2-40B4-BE49-F238E27FC236}">
+                <a16:creationId xmlns:a16="http://schemas.microsoft.com/office/drawing/2014/main" id="{C2973C14-9A47-F060-E384-0D7A0A5D3229}"/>
+              </a:ext>
+            </a:extLst>
+          </p:cNvPr>
+          <p:cNvSpPr txBox="1"/>
+          <p:nvPr/>
+        </p:nvSpPr>
+        <p:spPr>
+          <a:xfrm>
+            <a:off x="2020501" y="3513452"/>
+            <a:ext cx="876803" cy="261610"/>
+          </a:xfrm>
+          <a:prstGeom prst="rect">
+            <a:avLst/>
+          </a:prstGeom>
+          <a:solidFill>
+            <a:schemeClr val="bg1"/>
+          </a:solidFill>
+          <a:ln>
+            <a:solidFill>
+              <a:schemeClr val="tx1"/>
+            </a:solidFill>
+          </a:ln>
+        </p:spPr>
+        <p:txBody>
+          <a:bodyPr wrap="square" rtlCol="0">
+            <a:spAutoFit/>
+          </a:bodyPr>
+          <a:lstStyle/>
+          <a:p>
+            <a:pPr algn="ctr"/>
+            <a:r>
+              <a:rPr lang="en-US" sz="1100" b="1" dirty="0"/>
+              <a:t>Colombia</a:t>
+            </a:r>
+          </a:p>
+        </p:txBody>
+      </p:sp>
+      <p:sp>
+        <p:nvSpPr>
+          <p:cNvPr id="49" name="TextBox 48">
+            <a:extLst>
+              <a:ext uri="{FF2B5EF4-FFF2-40B4-BE49-F238E27FC236}">
+                <a16:creationId xmlns:a16="http://schemas.microsoft.com/office/drawing/2014/main" id="{A67FB559-2835-DA1A-6B77-9251B55BD7CC}"/>
+              </a:ext>
+            </a:extLst>
+          </p:cNvPr>
+          <p:cNvSpPr txBox="1"/>
+          <p:nvPr/>
+        </p:nvSpPr>
+        <p:spPr>
+          <a:xfrm>
+            <a:off x="5223891" y="3530128"/>
+            <a:ext cx="876803" cy="261610"/>
+          </a:xfrm>
+          <a:prstGeom prst="rect">
+            <a:avLst/>
+          </a:prstGeom>
+          <a:solidFill>
+            <a:schemeClr val="bg1"/>
+          </a:solidFill>
+          <a:ln>
+            <a:solidFill>
+              <a:schemeClr val="tx1"/>
+            </a:solidFill>
+          </a:ln>
+        </p:spPr>
+        <p:txBody>
+          <a:bodyPr wrap="square" rtlCol="0">
+            <a:spAutoFit/>
+          </a:bodyPr>
+          <a:lstStyle/>
+          <a:p>
+            <a:pPr algn="ctr"/>
+            <a:r>
+              <a:rPr lang="en-US" sz="1100" b="1" dirty="0"/>
+              <a:t>Mexico</a:t>
             </a:r>
           </a:p>
         </p:txBody>
